--- a/ToBEDone.pptx
+++ b/ToBEDone.pptx
@@ -5,10 +5,11 @@
     <p:sldMasterId id="2147483648" r:id="rId1"/>
   </p:sldMasterIdLst>
   <p:notesMasterIdLst>
-    <p:notesMasterId r:id="rId3"/>
+    <p:notesMasterId r:id="rId4"/>
   </p:notesMasterIdLst>
   <p:sldIdLst>
     <p:sldId id="264" r:id="rId2"/>
+    <p:sldId id="265" r:id="rId3"/>
   </p:sldIdLst>
   <p:sldSz cx="12192000" cy="6858000"/>
   <p:notesSz cx="6858000" cy="9144000"/>
@@ -197,7 +198,7 @@
           <a:p>
             <a:fld id="{2FB6FFA2-5596-DA47-A26B-229D3D705C9C}" type="datetimeFigureOut">
               <a:rPr lang="en-US" smtClean="0"/>
-              <a:t>5/17/22</a:t>
+              <a:t>5/23/22</a:t>
             </a:fld>
             <a:endParaRPr lang="en-US"/>
           </a:p>
@@ -548,6 +549,90 @@
 </p:notes>
 </file>
 
+<file path=ppt/notesSlides/notesSlide2.xml><?xml version="1.0" encoding="utf-8"?>
+<p:notes xmlns:a="http://schemas.openxmlformats.org/drawingml/2006/main" xmlns:r="http://schemas.openxmlformats.org/officeDocument/2006/relationships" xmlns:p="http://schemas.openxmlformats.org/presentationml/2006/main">
+  <p:cSld>
+    <p:spTree>
+      <p:nvGrpSpPr>
+        <p:cNvPr id="1" name=""/>
+        <p:cNvGrpSpPr/>
+        <p:nvPr/>
+      </p:nvGrpSpPr>
+      <p:grpSpPr>
+        <a:xfrm>
+          <a:off x="0" y="0"/>
+          <a:ext cx="0" cy="0"/>
+          <a:chOff x="0" y="0"/>
+          <a:chExt cx="0" cy="0"/>
+        </a:xfrm>
+      </p:grpSpPr>
+      <p:sp>
+        <p:nvSpPr>
+          <p:cNvPr id="2" name="Slide Image Placeholder 1"/>
+          <p:cNvSpPr>
+            <a:spLocks noGrp="1" noRot="1" noChangeAspect="1"/>
+          </p:cNvSpPr>
+          <p:nvPr>
+            <p:ph type="sldImg"/>
+          </p:nvPr>
+        </p:nvSpPr>
+        <p:spPr/>
+      </p:sp>
+      <p:sp>
+        <p:nvSpPr>
+          <p:cNvPr id="3" name="Notes Placeholder 2"/>
+          <p:cNvSpPr>
+            <a:spLocks noGrp="1"/>
+          </p:cNvSpPr>
+          <p:nvPr>
+            <p:ph type="body" idx="1"/>
+          </p:nvPr>
+        </p:nvSpPr>
+        <p:spPr/>
+        <p:txBody>
+          <a:bodyPr/>
+          <a:lstStyle/>
+          <a:p>
+            <a:endParaRPr lang="en-US" dirty="0"/>
+          </a:p>
+        </p:txBody>
+      </p:sp>
+      <p:sp>
+        <p:nvSpPr>
+          <p:cNvPr id="4" name="Slide Number Placeholder 3"/>
+          <p:cNvSpPr>
+            <a:spLocks noGrp="1"/>
+          </p:cNvSpPr>
+          <p:nvPr>
+            <p:ph type="sldNum" sz="quarter" idx="5"/>
+          </p:nvPr>
+        </p:nvSpPr>
+        <p:spPr/>
+        <p:txBody>
+          <a:bodyPr/>
+          <a:lstStyle/>
+          <a:p>
+            <a:fld id="{28A8F9BA-8E26-4849-A4CA-C70FA0EC7BFB}" type="slidenum">
+              <a:rPr lang="en-US" smtClean="0"/>
+              <a:t>2</a:t>
+            </a:fld>
+            <a:endParaRPr lang="en-US"/>
+          </a:p>
+        </p:txBody>
+      </p:sp>
+    </p:spTree>
+    <p:extLst>
+      <p:ext uri="{BB962C8B-B14F-4D97-AF65-F5344CB8AC3E}">
+        <p14:creationId xmlns:p14="http://schemas.microsoft.com/office/powerpoint/2010/main" val="1694895237"/>
+      </p:ext>
+    </p:extLst>
+  </p:cSld>
+  <p:clrMapOvr>
+    <a:masterClrMapping/>
+  </p:clrMapOvr>
+</p:notes>
+</file>
+
 <file path=ppt/slideLayouts/slideLayout1.xml><?xml version="1.0" encoding="utf-8"?>
 <p:sldLayout xmlns:a="http://schemas.openxmlformats.org/drawingml/2006/main" xmlns:r="http://schemas.openxmlformats.org/officeDocument/2006/relationships" xmlns:p="http://schemas.openxmlformats.org/presentationml/2006/main" type="title" preserve="1">
   <p:cSld name="Title Slide">
@@ -695,7 +780,7 @@
           <a:p>
             <a:fld id="{D7AFABE5-C7E3-F145-818B-F1C9F2CF8384}" type="datetimeFigureOut">
               <a:rPr lang="en-US" smtClean="0"/>
-              <a:t>5/17/22</a:t>
+              <a:t>5/23/22</a:t>
             </a:fld>
             <a:endParaRPr lang="en-US"/>
           </a:p>
@@ -893,7 +978,7 @@
           <a:p>
             <a:fld id="{D7AFABE5-C7E3-F145-818B-F1C9F2CF8384}" type="datetimeFigureOut">
               <a:rPr lang="en-US" smtClean="0"/>
-              <a:t>5/17/22</a:t>
+              <a:t>5/23/22</a:t>
             </a:fld>
             <a:endParaRPr lang="en-US"/>
           </a:p>
@@ -1101,7 +1186,7 @@
           <a:p>
             <a:fld id="{D7AFABE5-C7E3-F145-818B-F1C9F2CF8384}" type="datetimeFigureOut">
               <a:rPr lang="en-US" smtClean="0"/>
-              <a:t>5/17/22</a:t>
+              <a:t>5/23/22</a:t>
             </a:fld>
             <a:endParaRPr lang="en-US"/>
           </a:p>
@@ -1299,7 +1384,7 @@
           <a:p>
             <a:fld id="{D7AFABE5-C7E3-F145-818B-F1C9F2CF8384}" type="datetimeFigureOut">
               <a:rPr lang="en-US" smtClean="0"/>
-              <a:t>5/17/22</a:t>
+              <a:t>5/23/22</a:t>
             </a:fld>
             <a:endParaRPr lang="en-US"/>
           </a:p>
@@ -1574,7 +1659,7 @@
           <a:p>
             <a:fld id="{D7AFABE5-C7E3-F145-818B-F1C9F2CF8384}" type="datetimeFigureOut">
               <a:rPr lang="en-US" smtClean="0"/>
-              <a:t>5/17/22</a:t>
+              <a:t>5/23/22</a:t>
             </a:fld>
             <a:endParaRPr lang="en-US"/>
           </a:p>
@@ -1839,7 +1924,7 @@
           <a:p>
             <a:fld id="{D7AFABE5-C7E3-F145-818B-F1C9F2CF8384}" type="datetimeFigureOut">
               <a:rPr lang="en-US" smtClean="0"/>
-              <a:t>5/17/22</a:t>
+              <a:t>5/23/22</a:t>
             </a:fld>
             <a:endParaRPr lang="en-US"/>
           </a:p>
@@ -2251,7 +2336,7 @@
           <a:p>
             <a:fld id="{D7AFABE5-C7E3-F145-818B-F1C9F2CF8384}" type="datetimeFigureOut">
               <a:rPr lang="en-US" smtClean="0"/>
-              <a:t>5/17/22</a:t>
+              <a:t>5/23/22</a:t>
             </a:fld>
             <a:endParaRPr lang="en-US"/>
           </a:p>
@@ -2392,7 +2477,7 @@
           <a:p>
             <a:fld id="{D7AFABE5-C7E3-F145-818B-F1C9F2CF8384}" type="datetimeFigureOut">
               <a:rPr lang="en-US" smtClean="0"/>
-              <a:t>5/17/22</a:t>
+              <a:t>5/23/22</a:t>
             </a:fld>
             <a:endParaRPr lang="en-US"/>
           </a:p>
@@ -2505,7 +2590,7 @@
           <a:p>
             <a:fld id="{D7AFABE5-C7E3-F145-818B-F1C9F2CF8384}" type="datetimeFigureOut">
               <a:rPr lang="en-US" smtClean="0"/>
-              <a:t>5/17/22</a:t>
+              <a:t>5/23/22</a:t>
             </a:fld>
             <a:endParaRPr lang="en-US"/>
           </a:p>
@@ -2816,7 +2901,7 @@
           <a:p>
             <a:fld id="{D7AFABE5-C7E3-F145-818B-F1C9F2CF8384}" type="datetimeFigureOut">
               <a:rPr lang="en-US" smtClean="0"/>
-              <a:t>5/17/22</a:t>
+              <a:t>5/23/22</a:t>
             </a:fld>
             <a:endParaRPr lang="en-US"/>
           </a:p>
@@ -3104,7 +3189,7 @@
           <a:p>
             <a:fld id="{D7AFABE5-C7E3-F145-818B-F1C9F2CF8384}" type="datetimeFigureOut">
               <a:rPr lang="en-US" smtClean="0"/>
-              <a:t>5/17/22</a:t>
+              <a:t>5/23/22</a:t>
             </a:fld>
             <a:endParaRPr lang="en-US"/>
           </a:p>
@@ -3345,7 +3430,7 @@
           <a:p>
             <a:fld id="{D7AFABE5-C7E3-F145-818B-F1C9F2CF8384}" type="datetimeFigureOut">
               <a:rPr lang="en-US" smtClean="0"/>
-              <a:t>5/17/22</a:t>
+              <a:t>5/23/22</a:t>
             </a:fld>
             <a:endParaRPr lang="en-US"/>
           </a:p>
@@ -3996,6 +4081,347 @@
     <p:extLst>
       <p:ext uri="{BB962C8B-B14F-4D97-AF65-F5344CB8AC3E}">
         <p14:creationId xmlns:p14="http://schemas.microsoft.com/office/powerpoint/2010/main" val="4188142429"/>
+      </p:ext>
+    </p:extLst>
+  </p:cSld>
+  <p:clrMapOvr>
+    <a:masterClrMapping/>
+  </p:clrMapOvr>
+  <p:timing>
+    <p:tnLst>
+      <p:par>
+        <p:cTn id="1" dur="indefinite" restart="never" nodeType="tmRoot">
+          <p:childTnLst>
+            <p:seq concurrent="1" nextAc="seek">
+              <p:cTn id="2" dur="indefinite" nodeType="mainSeq">
+                <p:childTnLst>
+                  <p:par>
+                    <p:cTn id="3" fill="hold">
+                      <p:stCondLst>
+                        <p:cond delay="indefinite"/>
+                      </p:stCondLst>
+                      <p:childTnLst>
+                        <p:par>
+                          <p:cTn id="4" fill="hold">
+                            <p:stCondLst>
+                              <p:cond delay="0"/>
+                            </p:stCondLst>
+                            <p:childTnLst>
+                              <p:par>
+                                <p:cTn id="5" presetID="6" presetClass="entr" presetSubtype="16" fill="hold" grpId="0" nodeType="clickEffect">
+                                  <p:stCondLst>
+                                    <p:cond delay="0"/>
+                                  </p:stCondLst>
+                                  <p:childTnLst>
+                                    <p:set>
+                                      <p:cBhvr>
+                                        <p:cTn id="6" dur="1" fill="hold">
+                                          <p:stCondLst>
+                                            <p:cond delay="0"/>
+                                          </p:stCondLst>
+                                        </p:cTn>
+                                        <p:tgtEl>
+                                          <p:spTgt spid="6"/>
+                                        </p:tgtEl>
+                                        <p:attrNameLst>
+                                          <p:attrName>style.visibility</p:attrName>
+                                        </p:attrNameLst>
+                                      </p:cBhvr>
+                                      <p:to>
+                                        <p:strVal val="visible"/>
+                                      </p:to>
+                                    </p:set>
+                                    <p:animEffect transition="in" filter="circle(in)">
+                                      <p:cBhvr>
+                                        <p:cTn id="7" dur="2000"/>
+                                        <p:tgtEl>
+                                          <p:spTgt spid="6"/>
+                                        </p:tgtEl>
+                                      </p:cBhvr>
+                                    </p:animEffect>
+                                  </p:childTnLst>
+                                </p:cTn>
+                              </p:par>
+                            </p:childTnLst>
+                          </p:cTn>
+                        </p:par>
+                      </p:childTnLst>
+                    </p:cTn>
+                  </p:par>
+                </p:childTnLst>
+              </p:cTn>
+              <p:prevCondLst>
+                <p:cond evt="onPrev" delay="0">
+                  <p:tgtEl>
+                    <p:sldTgt/>
+                  </p:tgtEl>
+                </p:cond>
+              </p:prevCondLst>
+              <p:nextCondLst>
+                <p:cond evt="onNext" delay="0">
+                  <p:tgtEl>
+                    <p:sldTgt/>
+                  </p:tgtEl>
+                </p:cond>
+              </p:nextCondLst>
+            </p:seq>
+          </p:childTnLst>
+        </p:cTn>
+      </p:par>
+    </p:tnLst>
+    <p:bldLst>
+      <p:bldP spid="6" grpId="0" animBg="1"/>
+    </p:bldLst>
+  </p:timing>
+</p:sld>
+</file>
+
+<file path=ppt/slides/slide2.xml><?xml version="1.0" encoding="utf-8"?>
+<p:sld xmlns:a="http://schemas.openxmlformats.org/drawingml/2006/main" xmlns:r="http://schemas.openxmlformats.org/officeDocument/2006/relationships" xmlns:p="http://schemas.openxmlformats.org/presentationml/2006/main">
+  <p:cSld>
+    <p:bg>
+      <p:bgPr>
+        <a:solidFill>
+          <a:schemeClr val="bg2">
+            <a:lumMod val="50000"/>
+          </a:schemeClr>
+        </a:solidFill>
+        <a:effectLst/>
+      </p:bgPr>
+    </p:bg>
+    <p:spTree>
+      <p:nvGrpSpPr>
+        <p:cNvPr id="1" name=""/>
+        <p:cNvGrpSpPr/>
+        <p:nvPr/>
+      </p:nvGrpSpPr>
+      <p:grpSpPr>
+        <a:xfrm>
+          <a:off x="0" y="0"/>
+          <a:ext cx="0" cy="0"/>
+          <a:chOff x="0" y="0"/>
+          <a:chExt cx="0" cy="0"/>
+        </a:xfrm>
+      </p:grpSpPr>
+      <p:sp>
+        <p:nvSpPr>
+          <p:cNvPr id="6" name="Rectangle 5">
+            <a:extLst>
+              <a:ext uri="{FF2B5EF4-FFF2-40B4-BE49-F238E27FC236}">
+                <a16:creationId xmlns:a16="http://schemas.microsoft.com/office/drawing/2014/main" id="{6099DF02-D76D-BF47-A246-D5D13BF51E65}"/>
+              </a:ext>
+            </a:extLst>
+          </p:cNvPr>
+          <p:cNvSpPr/>
+          <p:nvPr/>
+        </p:nvSpPr>
+        <p:spPr>
+          <a:xfrm>
+            <a:off x="-1" y="7521"/>
+            <a:ext cx="12191999" cy="6858000"/>
+          </a:xfrm>
+          <a:prstGeom prst="rect">
+            <a:avLst/>
+          </a:prstGeom>
+          <a:blipFill>
+            <a:blip r:embed="rId3"/>
+            <a:tile tx="0" ty="0" sx="100000" sy="100000" flip="none" algn="tl"/>
+          </a:blipFill>
+          <a:ln>
+            <a:noFill/>
+          </a:ln>
+          <a:effectLst>
+            <a:outerShdw blurRad="63500" dist="152400" dir="3000000" algn="tl" rotWithShape="0">
+              <a:prstClr val="black">
+                <a:alpha val="40000"/>
+              </a:prstClr>
+            </a:outerShdw>
+            <a:softEdge rad="25400"/>
+          </a:effectLst>
+        </p:spPr>
+        <p:style>
+          <a:lnRef idx="2">
+            <a:schemeClr val="accent1">
+              <a:shade val="50000"/>
+            </a:schemeClr>
+          </a:lnRef>
+          <a:fillRef idx="1">
+            <a:schemeClr val="accent1"/>
+          </a:fillRef>
+          <a:effectRef idx="0">
+            <a:schemeClr val="accent1"/>
+          </a:effectRef>
+          <a:fontRef idx="minor">
+            <a:schemeClr val="lt1"/>
+          </a:fontRef>
+        </p:style>
+        <p:txBody>
+          <a:bodyPr rtlCol="0" anchor="ctr"/>
+          <a:lstStyle/>
+          <a:p>
+            <a:pPr algn="ctr"/>
+            <a:endParaRPr lang="en-US" dirty="0"/>
+          </a:p>
+        </p:txBody>
+      </p:sp>
+      <p:cxnSp>
+        <p:nvCxnSpPr>
+          <p:cNvPr id="9" name="Straight Connector 8">
+            <a:extLst>
+              <a:ext uri="{FF2B5EF4-FFF2-40B4-BE49-F238E27FC236}">
+                <a16:creationId xmlns:a16="http://schemas.microsoft.com/office/drawing/2014/main" id="{AA4D4064-94AA-5E4D-AB14-C932D2779787}"/>
+              </a:ext>
+            </a:extLst>
+          </p:cNvPr>
+          <p:cNvCxnSpPr>
+            <a:cxnSpLocks/>
+          </p:cNvCxnSpPr>
+          <p:nvPr/>
+        </p:nvCxnSpPr>
+        <p:spPr>
+          <a:xfrm>
+            <a:off x="11831890" y="0"/>
+            <a:ext cx="1" cy="6858000"/>
+          </a:xfrm>
+          <a:prstGeom prst="line">
+            <a:avLst/>
+          </a:prstGeom>
+          <a:ln w="38100">
+            <a:solidFill>
+              <a:schemeClr val="accent4">
+                <a:lumMod val="50000"/>
+              </a:schemeClr>
+            </a:solidFill>
+            <a:prstDash val="lgDash"/>
+          </a:ln>
+        </p:spPr>
+        <p:style>
+          <a:lnRef idx="1">
+            <a:schemeClr val="accent1"/>
+          </a:lnRef>
+          <a:fillRef idx="0">
+            <a:schemeClr val="accent1"/>
+          </a:fillRef>
+          <a:effectRef idx="0">
+            <a:schemeClr val="accent1"/>
+          </a:effectRef>
+          <a:fontRef idx="minor">
+            <a:schemeClr val="tx1"/>
+          </a:fontRef>
+        </p:style>
+      </p:cxnSp>
+      <p:sp>
+        <p:nvSpPr>
+          <p:cNvPr id="12" name="TextBox 11">
+            <a:extLst>
+              <a:ext uri="{FF2B5EF4-FFF2-40B4-BE49-F238E27FC236}">
+                <a16:creationId xmlns:a16="http://schemas.microsoft.com/office/drawing/2014/main" id="{0D388795-89C4-854B-AD0B-1DFCD3BBC9DA}"/>
+              </a:ext>
+            </a:extLst>
+          </p:cNvPr>
+          <p:cNvSpPr txBox="1"/>
+          <p:nvPr/>
+        </p:nvSpPr>
+        <p:spPr>
+          <a:xfrm>
+            <a:off x="481225" y="1424558"/>
+            <a:ext cx="4416592" cy="2062103"/>
+          </a:xfrm>
+          <a:prstGeom prst="rect">
+            <a:avLst/>
+          </a:prstGeom>
+          <a:noFill/>
+          <a:effectLst>
+            <a:glow rad="63500">
+              <a:schemeClr val="accent2">
+                <a:satMod val="175000"/>
+                <a:alpha val="0"/>
+              </a:schemeClr>
+            </a:glow>
+          </a:effectLst>
+        </p:spPr>
+        <p:txBody>
+          <a:bodyPr wrap="square" rtlCol="0">
+            <a:spAutoFit/>
+          </a:bodyPr>
+          <a:lstStyle/>
+          <a:p>
+            <a:r>
+              <a:rPr lang="en-US" sz="1600" dirty="0"/>
+              <a:t>How to make </a:t>
+            </a:r>
+            <a:r>
+              <a:rPr lang="en-US" sz="1600" dirty="0" err="1"/>
+              <a:t>vedio’s</a:t>
+            </a:r>
+            <a:r>
+              <a:rPr lang="en-US" sz="1600" dirty="0"/>
+              <a:t> in Udemy</a:t>
+            </a:r>
+          </a:p>
+          <a:p>
+            <a:r>
+              <a:rPr lang="en-US" sz="1600" dirty="0"/>
+              <a:t>How to make </a:t>
+            </a:r>
+            <a:r>
+              <a:rPr lang="en-US" sz="1600" dirty="0" err="1"/>
+              <a:t>vedio’s</a:t>
+            </a:r>
+            <a:r>
+              <a:rPr lang="en-US" sz="1600" dirty="0"/>
+              <a:t> in Plural sight</a:t>
+            </a:r>
+          </a:p>
+          <a:p>
+            <a:r>
+              <a:rPr lang="en-US" sz="1600" dirty="0"/>
+              <a:t>How to Make </a:t>
+            </a:r>
+            <a:r>
+              <a:rPr lang="en-US" sz="1600" dirty="0" err="1"/>
+              <a:t>vedio’s</a:t>
+            </a:r>
+            <a:r>
+              <a:rPr lang="en-US" sz="1600" dirty="0"/>
+              <a:t> in </a:t>
+            </a:r>
+            <a:r>
+              <a:rPr lang="en-US" sz="1600" dirty="0" err="1"/>
+              <a:t>Youtube</a:t>
+            </a:r>
+            <a:endParaRPr lang="en-US" sz="1600" dirty="0"/>
+          </a:p>
+          <a:p>
+            <a:r>
+              <a:rPr lang="en-US" sz="1600" dirty="0"/>
+              <a:t>How to learn any kind of programming language</a:t>
+            </a:r>
+          </a:p>
+          <a:p>
+            <a:endParaRPr lang="en-US" sz="1600" dirty="0"/>
+          </a:p>
+          <a:p>
+            <a:r>
+              <a:rPr lang="en-US" sz="1600"/>
+              <a:t>s</a:t>
+            </a:r>
+          </a:p>
+          <a:p>
+            <a:endParaRPr lang="en-US" sz="1600" dirty="0"/>
+          </a:p>
+          <a:p>
+            <a:r>
+              <a:rPr lang="en-US" sz="1600" dirty="0"/>
+              <a:t> </a:t>
+            </a:r>
+          </a:p>
+        </p:txBody>
+      </p:sp>
+    </p:spTree>
+    <p:extLst>
+      <p:ext uri="{BB962C8B-B14F-4D97-AF65-F5344CB8AC3E}">
+        <p14:creationId xmlns:p14="http://schemas.microsoft.com/office/powerpoint/2010/main" val="2087768228"/>
       </p:ext>
     </p:extLst>
   </p:cSld>
